--- a/reports/Final Presentation.pptx
+++ b/reports/Final Presentation.pptx
@@ -7973,7 +7973,7 @@
         <a:p>
           <a:r>
             <a:rPr lang="en-US" b="1" dirty="0"/>
-            <a:t>Report Outline</a:t>
+            <a:t>Report Outcomes</a:t>
           </a:r>
         </a:p>
       </dgm:t>
@@ -8392,7 +8392,7 @@
         <a:p>
           <a:r>
             <a:rPr lang="en-US" b="1" dirty="0"/>
-            <a:t>Report Outline</a:t>
+            <a:t>Report Outcomes</a:t>
           </a:r>
         </a:p>
       </dgm:t>
@@ -8811,7 +8811,7 @@
         <a:p>
           <a:r>
             <a:rPr lang="en-US" b="1" dirty="0"/>
-            <a:t>Report Outline</a:t>
+            <a:t>Report Outcomes</a:t>
           </a:r>
         </a:p>
       </dgm:t>
@@ -9230,7 +9230,7 @@
         <a:p>
           <a:r>
             <a:rPr lang="en-US" b="1" dirty="0"/>
-            <a:t>Report Outline</a:t>
+            <a:t>Report Outcomes</a:t>
           </a:r>
         </a:p>
       </dgm:t>
@@ -9649,7 +9649,7 @@
         <a:p>
           <a:r>
             <a:rPr lang="en-US" b="1" dirty="0"/>
-            <a:t>Report Outline</a:t>
+            <a:t>Report Outcomes</a:t>
           </a:r>
         </a:p>
       </dgm:t>
@@ -10068,7 +10068,7 @@
         <a:p>
           <a:r>
             <a:rPr lang="en-US" b="1" dirty="0"/>
-            <a:t>Report Outline</a:t>
+            <a:t>Report Outcomes</a:t>
           </a:r>
         </a:p>
       </dgm:t>
@@ -10487,7 +10487,7 @@
         <a:p>
           <a:r>
             <a:rPr lang="en-US" b="1" dirty="0"/>
-            <a:t>Report Outline</a:t>
+            <a:t>Report Outcomes</a:t>
           </a:r>
         </a:p>
       </dgm:t>
@@ -10906,7 +10906,7 @@
         <a:p>
           <a:r>
             <a:rPr lang="en-US" b="1" dirty="0"/>
-            <a:t>Report Outline</a:t>
+            <a:t>Report Outcomes</a:t>
           </a:r>
         </a:p>
       </dgm:t>
@@ -11325,7 +11325,7 @@
         <a:p>
           <a:r>
             <a:rPr lang="en-US" b="1" dirty="0"/>
-            <a:t>Report Outline</a:t>
+            <a:t>Report Outcomes</a:t>
           </a:r>
         </a:p>
       </dgm:t>
@@ -11770,12 +11770,12 @@
         </a:fontRef>
       </dsp:style>
       <dsp:txBody>
-        <a:bodyPr spcFirstLastPara="0" vert="horz" wrap="square" lIns="36830" tIns="36830" rIns="36830" bIns="36830" numCol="1" spcCol="1270" anchor="ctr" anchorCtr="0">
+        <a:bodyPr spcFirstLastPara="0" vert="horz" wrap="square" lIns="27940" tIns="27940" rIns="27940" bIns="27940" numCol="1" spcCol="1270" anchor="ctr" anchorCtr="0">
           <a:noAutofit/>
         </a:bodyPr>
         <a:lstStyle/>
         <a:p>
-          <a:pPr marL="0" lvl="0" indent="0" algn="ctr" defTabSz="1289050">
+          <a:pPr marL="0" lvl="0" indent="0" algn="ctr" defTabSz="977900">
             <a:lnSpc>
               <a:spcPct val="90000"/>
             </a:lnSpc>
@@ -11788,8 +11788,8 @@
             <a:buNone/>
           </a:pPr>
           <a:r>
-            <a:rPr lang="en-US" sz="2900" b="1" kern="1200" dirty="0"/>
-            <a:t>Report Outline</a:t>
+            <a:rPr lang="en-US" sz="2200" b="1" kern="1200" dirty="0"/>
+            <a:t>Report Outcomes</a:t>
           </a:r>
         </a:p>
       </dsp:txBody>
@@ -12368,12 +12368,12 @@
         </a:fontRef>
       </dsp:style>
       <dsp:txBody>
-        <a:bodyPr spcFirstLastPara="0" vert="horz" wrap="square" lIns="36830" tIns="36830" rIns="36830" bIns="36830" numCol="1" spcCol="1270" anchor="ctr" anchorCtr="0">
+        <a:bodyPr spcFirstLastPara="0" vert="horz" wrap="square" lIns="27940" tIns="27940" rIns="27940" bIns="27940" numCol="1" spcCol="1270" anchor="ctr" anchorCtr="0">
           <a:noAutofit/>
         </a:bodyPr>
         <a:lstStyle/>
         <a:p>
-          <a:pPr marL="0" lvl="0" indent="0" algn="ctr" defTabSz="1289050">
+          <a:pPr marL="0" lvl="0" indent="0" algn="ctr" defTabSz="977900">
             <a:lnSpc>
               <a:spcPct val="90000"/>
             </a:lnSpc>
@@ -12386,8 +12386,8 @@
             <a:buNone/>
           </a:pPr>
           <a:r>
-            <a:rPr lang="en-US" sz="2900" b="1" kern="1200" dirty="0"/>
-            <a:t>Report Outline</a:t>
+            <a:rPr lang="en-US" sz="2200" b="1" kern="1200" dirty="0"/>
+            <a:t>Report Outcomes</a:t>
           </a:r>
         </a:p>
       </dsp:txBody>
@@ -12966,12 +12966,12 @@
         </a:fontRef>
       </dsp:style>
       <dsp:txBody>
-        <a:bodyPr spcFirstLastPara="0" vert="horz" wrap="square" lIns="36830" tIns="36830" rIns="36830" bIns="36830" numCol="1" spcCol="1270" anchor="ctr" anchorCtr="0">
+        <a:bodyPr spcFirstLastPara="0" vert="horz" wrap="square" lIns="27940" tIns="27940" rIns="27940" bIns="27940" numCol="1" spcCol="1270" anchor="ctr" anchorCtr="0">
           <a:noAutofit/>
         </a:bodyPr>
         <a:lstStyle/>
         <a:p>
-          <a:pPr marL="0" lvl="0" indent="0" algn="ctr" defTabSz="1289050">
+          <a:pPr marL="0" lvl="0" indent="0" algn="ctr" defTabSz="977900">
             <a:lnSpc>
               <a:spcPct val="90000"/>
             </a:lnSpc>
@@ -12984,8 +12984,8 @@
             <a:buNone/>
           </a:pPr>
           <a:r>
-            <a:rPr lang="en-US" sz="2900" b="1" kern="1200" dirty="0"/>
-            <a:t>Report Outline</a:t>
+            <a:rPr lang="en-US" sz="2200" b="1" kern="1200" dirty="0"/>
+            <a:t>Report Outcomes</a:t>
           </a:r>
         </a:p>
       </dsp:txBody>
@@ -13564,12 +13564,12 @@
         </a:fontRef>
       </dsp:style>
       <dsp:txBody>
-        <a:bodyPr spcFirstLastPara="0" vert="horz" wrap="square" lIns="36830" tIns="36830" rIns="36830" bIns="36830" numCol="1" spcCol="1270" anchor="ctr" anchorCtr="0">
+        <a:bodyPr spcFirstLastPara="0" vert="horz" wrap="square" lIns="27940" tIns="27940" rIns="27940" bIns="27940" numCol="1" spcCol="1270" anchor="ctr" anchorCtr="0">
           <a:noAutofit/>
         </a:bodyPr>
         <a:lstStyle/>
         <a:p>
-          <a:pPr marL="0" lvl="0" indent="0" algn="ctr" defTabSz="1289050">
+          <a:pPr marL="0" lvl="0" indent="0" algn="ctr" defTabSz="977900">
             <a:lnSpc>
               <a:spcPct val="90000"/>
             </a:lnSpc>
@@ -13582,8 +13582,8 @@
             <a:buNone/>
           </a:pPr>
           <a:r>
-            <a:rPr lang="en-US" sz="2900" b="1" kern="1200" dirty="0"/>
-            <a:t>Report Outline</a:t>
+            <a:rPr lang="en-US" sz="2200" b="1" kern="1200" dirty="0"/>
+            <a:t>Report Outcomes</a:t>
           </a:r>
         </a:p>
       </dsp:txBody>
@@ -14162,12 +14162,12 @@
         </a:fontRef>
       </dsp:style>
       <dsp:txBody>
-        <a:bodyPr spcFirstLastPara="0" vert="horz" wrap="square" lIns="36830" tIns="36830" rIns="36830" bIns="36830" numCol="1" spcCol="1270" anchor="ctr" anchorCtr="0">
+        <a:bodyPr spcFirstLastPara="0" vert="horz" wrap="square" lIns="27940" tIns="27940" rIns="27940" bIns="27940" numCol="1" spcCol="1270" anchor="ctr" anchorCtr="0">
           <a:noAutofit/>
         </a:bodyPr>
         <a:lstStyle/>
         <a:p>
-          <a:pPr marL="0" lvl="0" indent="0" algn="ctr" defTabSz="1289050">
+          <a:pPr marL="0" lvl="0" indent="0" algn="ctr" defTabSz="977900">
             <a:lnSpc>
               <a:spcPct val="90000"/>
             </a:lnSpc>
@@ -14180,8 +14180,8 @@
             <a:buNone/>
           </a:pPr>
           <a:r>
-            <a:rPr lang="en-US" sz="2900" b="1" kern="1200" dirty="0"/>
-            <a:t>Report Outline</a:t>
+            <a:rPr lang="en-US" sz="2200" b="1" kern="1200" dirty="0"/>
+            <a:t>Report Outcomes</a:t>
           </a:r>
         </a:p>
       </dsp:txBody>
@@ -14760,12 +14760,12 @@
         </a:fontRef>
       </dsp:style>
       <dsp:txBody>
-        <a:bodyPr spcFirstLastPara="0" vert="horz" wrap="square" lIns="36830" tIns="36830" rIns="36830" bIns="36830" numCol="1" spcCol="1270" anchor="ctr" anchorCtr="0">
+        <a:bodyPr spcFirstLastPara="0" vert="horz" wrap="square" lIns="27940" tIns="27940" rIns="27940" bIns="27940" numCol="1" spcCol="1270" anchor="ctr" anchorCtr="0">
           <a:noAutofit/>
         </a:bodyPr>
         <a:lstStyle/>
         <a:p>
-          <a:pPr marL="0" lvl="0" indent="0" algn="ctr" defTabSz="1289050">
+          <a:pPr marL="0" lvl="0" indent="0" algn="ctr" defTabSz="977900">
             <a:lnSpc>
               <a:spcPct val="90000"/>
             </a:lnSpc>
@@ -14778,8 +14778,8 @@
             <a:buNone/>
           </a:pPr>
           <a:r>
-            <a:rPr lang="en-US" sz="2900" b="1" kern="1200" dirty="0"/>
-            <a:t>Report Outline</a:t>
+            <a:rPr lang="en-US" sz="2200" b="1" kern="1200" dirty="0"/>
+            <a:t>Report Outcomes</a:t>
           </a:r>
         </a:p>
       </dsp:txBody>
@@ -15358,12 +15358,12 @@
         </a:fontRef>
       </dsp:style>
       <dsp:txBody>
-        <a:bodyPr spcFirstLastPara="0" vert="horz" wrap="square" lIns="36830" tIns="36830" rIns="36830" bIns="36830" numCol="1" spcCol="1270" anchor="ctr" anchorCtr="0">
+        <a:bodyPr spcFirstLastPara="0" vert="horz" wrap="square" lIns="27940" tIns="27940" rIns="27940" bIns="27940" numCol="1" spcCol="1270" anchor="ctr" anchorCtr="0">
           <a:noAutofit/>
         </a:bodyPr>
         <a:lstStyle/>
         <a:p>
-          <a:pPr marL="0" lvl="0" indent="0" algn="ctr" defTabSz="1289050">
+          <a:pPr marL="0" lvl="0" indent="0" algn="ctr" defTabSz="977900">
             <a:lnSpc>
               <a:spcPct val="90000"/>
             </a:lnSpc>
@@ -15376,8 +15376,8 @@
             <a:buNone/>
           </a:pPr>
           <a:r>
-            <a:rPr lang="en-US" sz="2900" b="1" kern="1200" dirty="0"/>
-            <a:t>Report Outline</a:t>
+            <a:rPr lang="en-US" sz="2200" b="1" kern="1200" dirty="0"/>
+            <a:t>Report Outcomes</a:t>
           </a:r>
         </a:p>
       </dsp:txBody>
@@ -15956,12 +15956,12 @@
         </a:fontRef>
       </dsp:style>
       <dsp:txBody>
-        <a:bodyPr spcFirstLastPara="0" vert="horz" wrap="square" lIns="36830" tIns="36830" rIns="36830" bIns="36830" numCol="1" spcCol="1270" anchor="ctr" anchorCtr="0">
+        <a:bodyPr spcFirstLastPara="0" vert="horz" wrap="square" lIns="27940" tIns="27940" rIns="27940" bIns="27940" numCol="1" spcCol="1270" anchor="ctr" anchorCtr="0">
           <a:noAutofit/>
         </a:bodyPr>
         <a:lstStyle/>
         <a:p>
-          <a:pPr marL="0" lvl="0" indent="0" algn="ctr" defTabSz="1289050">
+          <a:pPr marL="0" lvl="0" indent="0" algn="ctr" defTabSz="977900">
             <a:lnSpc>
               <a:spcPct val="90000"/>
             </a:lnSpc>
@@ -15974,8 +15974,8 @@
             <a:buNone/>
           </a:pPr>
           <a:r>
-            <a:rPr lang="en-US" sz="2900" b="1" kern="1200" dirty="0"/>
-            <a:t>Report Outline</a:t>
+            <a:rPr lang="en-US" sz="2200" b="1" kern="1200" dirty="0"/>
+            <a:t>Report Outcomes</a:t>
           </a:r>
         </a:p>
       </dsp:txBody>
@@ -16554,12 +16554,12 @@
         </a:fontRef>
       </dsp:style>
       <dsp:txBody>
-        <a:bodyPr spcFirstLastPara="0" vert="horz" wrap="square" lIns="36830" tIns="36830" rIns="36830" bIns="36830" numCol="1" spcCol="1270" anchor="ctr" anchorCtr="0">
+        <a:bodyPr spcFirstLastPara="0" vert="horz" wrap="square" lIns="27940" tIns="27940" rIns="27940" bIns="27940" numCol="1" spcCol="1270" anchor="ctr" anchorCtr="0">
           <a:noAutofit/>
         </a:bodyPr>
         <a:lstStyle/>
         <a:p>
-          <a:pPr marL="0" lvl="0" indent="0" algn="ctr" defTabSz="1289050">
+          <a:pPr marL="0" lvl="0" indent="0" algn="ctr" defTabSz="977900">
             <a:lnSpc>
               <a:spcPct val="90000"/>
             </a:lnSpc>
@@ -16572,8 +16572,8 @@
             <a:buNone/>
           </a:pPr>
           <a:r>
-            <a:rPr lang="en-US" sz="2900" b="1" kern="1200" dirty="0"/>
-            <a:t>Report Outline</a:t>
+            <a:rPr lang="en-US" sz="2200" b="1" kern="1200" dirty="0"/>
+            <a:t>Report Outcomes</a:t>
           </a:r>
         </a:p>
       </dsp:txBody>
@@ -38285,7 +38285,13 @@
             </a:extLst>
           </p:cNvPr>
           <p:cNvGraphicFramePr/>
-          <p:nvPr/>
+          <p:nvPr>
+            <p:extLst>
+              <p:ext uri="{D42A27DB-BD31-4B8C-83A1-F6EECF244321}">
+                <p14:modId xmlns:p14="http://schemas.microsoft.com/office/powerpoint/2010/main" val="3414534076"/>
+              </p:ext>
+            </p:extLst>
+          </p:nvPr>
         </p:nvGraphicFramePr>
         <p:xfrm>
           <a:off x="0" y="0"/>
@@ -38450,7 +38456,13 @@
             </a:extLst>
           </p:cNvPr>
           <p:cNvGraphicFramePr/>
-          <p:nvPr/>
+          <p:nvPr>
+            <p:extLst>
+              <p:ext uri="{D42A27DB-BD31-4B8C-83A1-F6EECF244321}">
+                <p14:modId xmlns:p14="http://schemas.microsoft.com/office/powerpoint/2010/main" val="801434291"/>
+              </p:ext>
+            </p:extLst>
+          </p:nvPr>
         </p:nvGraphicFramePr>
         <p:xfrm>
           <a:off x="0" y="0"/>
@@ -38531,7 +38543,7 @@
             </a:pPr>
             <a:r>
               <a:rPr lang="en-US" dirty="0"/>
-              <a:t>Overall predictive powers ranged from 60% - 85% accuracy</a:t>
+              <a:t>Overall predictive powers ranged from 60% - 95% accuracy</a:t>
             </a:r>
           </a:p>
           <a:p>
@@ -38646,7 +38658,7 @@
         </p:spPr>
         <p:txBody>
           <a:bodyPr>
-            <a:normAutofit/>
+            <a:normAutofit fontScale="92500" lnSpcReduction="10000"/>
           </a:bodyPr>
           <a:lstStyle/>
           <a:p>
@@ -38662,13 +38674,20 @@
           </a:p>
           <a:p>
             <a:pPr algn="r"/>
+            <a:r>
+              <a:rPr lang="en-US" dirty="0"/>
+              <a:t>The goals validated the existence, primary actors, and timeline of political polarity as a baseline for future analysis.</a:t>
+            </a:r>
+          </a:p>
+          <a:p>
+            <a:pPr algn="r"/>
             <a:endParaRPr lang="en-US" dirty="0"/>
           </a:p>
           <a:p>
             <a:pPr algn="r"/>
             <a:r>
               <a:rPr lang="en-US" dirty="0"/>
-              <a:t>The goal here is to validate the existence, primary actors, and timeline of political polarity as a baseline for future analysis.</a:t>
+              <a:t>Modeling for voting predictions yielded reasonable success but lacks refinement without additional data sources and lagging indicators</a:t>
             </a:r>
           </a:p>
         </p:txBody>
@@ -38837,7 +38856,7 @@
           <p:nvPr>
             <p:extLst>
               <p:ext uri="{D42A27DB-BD31-4B8C-83A1-F6EECF244321}">
-                <p14:modId xmlns:p14="http://schemas.microsoft.com/office/powerpoint/2010/main" val="3386887359"/>
+                <p14:modId xmlns:p14="http://schemas.microsoft.com/office/powerpoint/2010/main" val="3533521187"/>
               </p:ext>
             </p:extLst>
           </p:nvPr>
@@ -39064,7 +39083,7 @@
           <p:nvPr>
             <p:extLst>
               <p:ext uri="{D42A27DB-BD31-4B8C-83A1-F6EECF244321}">
-                <p14:modId xmlns:p14="http://schemas.microsoft.com/office/powerpoint/2010/main" val="361754642"/>
+                <p14:modId xmlns:p14="http://schemas.microsoft.com/office/powerpoint/2010/main" val="83002179"/>
               </p:ext>
             </p:extLst>
           </p:nvPr>
@@ -39192,13 +39211,13 @@
   <p:clrMapOvr>
     <a:masterClrMapping/>
   </p:clrMapOvr>
-  <mc:AlternateContent xmlns:mc="http://schemas.openxmlformats.org/markup-compatibility/2006">
-    <mc:Choice xmlns:p14="http://schemas.microsoft.com/office/powerpoint/2010/main" Requires="p14">
+  <mc:AlternateContent xmlns:mc="http://schemas.openxmlformats.org/markup-compatibility/2006" xmlns:p14="http://schemas.microsoft.com/office/powerpoint/2010/main">
+    <mc:Choice Requires="p14">
       <p:transition spd="med" p14:dur="700">
         <p:fade/>
       </p:transition>
     </mc:Choice>
-    <mc:Fallback>
+    <mc:Fallback xmlns="">
       <p:transition spd="med">
         <p:fade/>
       </p:transition>
@@ -39243,7 +39262,7 @@
           <p:nvPr>
             <p:extLst>
               <p:ext uri="{D42A27DB-BD31-4B8C-83A1-F6EECF244321}">
-                <p14:modId xmlns:p14="http://schemas.microsoft.com/office/powerpoint/2010/main" val="2825690194"/>
+                <p14:modId xmlns:p14="http://schemas.microsoft.com/office/powerpoint/2010/main" val="2428700753"/>
               </p:ext>
             </p:extLst>
           </p:nvPr>
@@ -39372,13 +39391,13 @@
   <p:clrMapOvr>
     <a:masterClrMapping/>
   </p:clrMapOvr>
-  <mc:AlternateContent xmlns:mc="http://schemas.openxmlformats.org/markup-compatibility/2006">
-    <mc:Choice xmlns:p14="http://schemas.microsoft.com/office/powerpoint/2010/main" Requires="p14">
+  <mc:AlternateContent xmlns:mc="http://schemas.openxmlformats.org/markup-compatibility/2006" xmlns:p14="http://schemas.microsoft.com/office/powerpoint/2010/main">
+    <mc:Choice Requires="p14">
       <p:transition spd="med" p14:dur="700">
         <p:fade/>
       </p:transition>
     </mc:Choice>
-    <mc:Fallback>
+    <mc:Fallback xmlns="">
       <p:transition spd="med">
         <p:fade/>
       </p:transition>
@@ -39423,7 +39442,7 @@
           <p:nvPr>
             <p:extLst>
               <p:ext uri="{D42A27DB-BD31-4B8C-83A1-F6EECF244321}">
-                <p14:modId xmlns:p14="http://schemas.microsoft.com/office/powerpoint/2010/main" val="701883410"/>
+                <p14:modId xmlns:p14="http://schemas.microsoft.com/office/powerpoint/2010/main" val="3192118043"/>
               </p:ext>
             </p:extLst>
           </p:nvPr>
@@ -39594,7 +39613,7 @@
           <p:nvPr>
             <p:extLst>
               <p:ext uri="{D42A27DB-BD31-4B8C-83A1-F6EECF244321}">
-                <p14:modId xmlns:p14="http://schemas.microsoft.com/office/powerpoint/2010/main" val="152146537"/>
+                <p14:modId xmlns:p14="http://schemas.microsoft.com/office/powerpoint/2010/main" val="4041498618"/>
               </p:ext>
             </p:extLst>
           </p:nvPr>
@@ -39779,7 +39798,13 @@
             </a:extLst>
           </p:cNvPr>
           <p:cNvGraphicFramePr/>
-          <p:nvPr/>
+          <p:nvPr>
+            <p:extLst>
+              <p:ext uri="{D42A27DB-BD31-4B8C-83A1-F6EECF244321}">
+                <p14:modId xmlns:p14="http://schemas.microsoft.com/office/powerpoint/2010/main" val="1923230986"/>
+              </p:ext>
+            </p:extLst>
+          </p:nvPr>
         </p:nvGraphicFramePr>
         <p:xfrm>
           <a:off x="0" y="0"/>
@@ -39934,7 +39959,7 @@
           <p:nvPr>
             <p:extLst>
               <p:ext uri="{D42A27DB-BD31-4B8C-83A1-F6EECF244321}">
-                <p14:modId xmlns:p14="http://schemas.microsoft.com/office/powerpoint/2010/main" val="1394480976"/>
+                <p14:modId xmlns:p14="http://schemas.microsoft.com/office/powerpoint/2010/main" val="2229388691"/>
               </p:ext>
             </p:extLst>
           </p:nvPr>
